--- a/Document/CRM Portal.pptx
+++ b/Document/CRM Portal.pptx
@@ -252,7 +252,7 @@
           <a:p>
             <a:fld id="{62237513-C7E6-4532-8199-0E9BDED529C5}" type="datetimeFigureOut">
               <a:rPr lang="en-US" smtClean="0"/>
-              <a:t>Tuesday, 26-June-2018</a:t>
+              <a:t>Wednesday, 27-June-2018</a:t>
             </a:fld>
             <a:endParaRPr lang="en-US"/>
           </a:p>
@@ -422,7 +422,7 @@
           <a:p>
             <a:fld id="{62237513-C7E6-4532-8199-0E9BDED529C5}" type="datetimeFigureOut">
               <a:rPr lang="en-US" smtClean="0"/>
-              <a:t>Tuesday, 26-June-2018</a:t>
+              <a:t>Wednesday, 27-June-2018</a:t>
             </a:fld>
             <a:endParaRPr lang="en-US"/>
           </a:p>
@@ -602,7 +602,7 @@
           <a:p>
             <a:fld id="{62237513-C7E6-4532-8199-0E9BDED529C5}" type="datetimeFigureOut">
               <a:rPr lang="en-US" smtClean="0"/>
-              <a:t>Tuesday, 26-June-2018</a:t>
+              <a:t>Wednesday, 27-June-2018</a:t>
             </a:fld>
             <a:endParaRPr lang="en-US"/>
           </a:p>
@@ -772,7 +772,7 @@
           <a:p>
             <a:fld id="{62237513-C7E6-4532-8199-0E9BDED529C5}" type="datetimeFigureOut">
               <a:rPr lang="en-US" smtClean="0"/>
-              <a:t>Tuesday, 26-June-2018</a:t>
+              <a:t>Wednesday, 27-June-2018</a:t>
             </a:fld>
             <a:endParaRPr lang="en-US"/>
           </a:p>
@@ -1018,7 +1018,7 @@
           <a:p>
             <a:fld id="{62237513-C7E6-4532-8199-0E9BDED529C5}" type="datetimeFigureOut">
               <a:rPr lang="en-US" smtClean="0"/>
-              <a:t>Tuesday, 26-June-2018</a:t>
+              <a:t>Wednesday, 27-June-2018</a:t>
             </a:fld>
             <a:endParaRPr lang="en-US"/>
           </a:p>
@@ -1250,7 +1250,7 @@
           <a:p>
             <a:fld id="{62237513-C7E6-4532-8199-0E9BDED529C5}" type="datetimeFigureOut">
               <a:rPr lang="en-US" smtClean="0"/>
-              <a:t>Tuesday, 26-June-2018</a:t>
+              <a:t>Wednesday, 27-June-2018</a:t>
             </a:fld>
             <a:endParaRPr lang="en-US"/>
           </a:p>
@@ -1617,7 +1617,7 @@
           <a:p>
             <a:fld id="{62237513-C7E6-4532-8199-0E9BDED529C5}" type="datetimeFigureOut">
               <a:rPr lang="en-US" smtClean="0"/>
-              <a:t>Tuesday, 26-June-2018</a:t>
+              <a:t>Wednesday, 27-June-2018</a:t>
             </a:fld>
             <a:endParaRPr lang="en-US"/>
           </a:p>
@@ -1735,7 +1735,7 @@
           <a:p>
             <a:fld id="{62237513-C7E6-4532-8199-0E9BDED529C5}" type="datetimeFigureOut">
               <a:rPr lang="en-US" smtClean="0"/>
-              <a:t>Tuesday, 26-June-2018</a:t>
+              <a:t>Wednesday, 27-June-2018</a:t>
             </a:fld>
             <a:endParaRPr lang="en-US"/>
           </a:p>
@@ -1830,7 +1830,7 @@
           <a:p>
             <a:fld id="{62237513-C7E6-4532-8199-0E9BDED529C5}" type="datetimeFigureOut">
               <a:rPr lang="en-US" smtClean="0"/>
-              <a:t>Tuesday, 26-June-2018</a:t>
+              <a:t>Wednesday, 27-June-2018</a:t>
             </a:fld>
             <a:endParaRPr lang="en-US"/>
           </a:p>
@@ -2107,7 +2107,7 @@
           <a:p>
             <a:fld id="{62237513-C7E6-4532-8199-0E9BDED529C5}" type="datetimeFigureOut">
               <a:rPr lang="en-US" smtClean="0"/>
-              <a:t>Tuesday, 26-June-2018</a:t>
+              <a:t>Wednesday, 27-June-2018</a:t>
             </a:fld>
             <a:endParaRPr lang="en-US"/>
           </a:p>
@@ -2360,7 +2360,7 @@
           <a:p>
             <a:fld id="{62237513-C7E6-4532-8199-0E9BDED529C5}" type="datetimeFigureOut">
               <a:rPr lang="en-US" smtClean="0"/>
-              <a:t>Tuesday, 26-June-2018</a:t>
+              <a:t>Wednesday, 27-June-2018</a:t>
             </a:fld>
             <a:endParaRPr lang="en-US"/>
           </a:p>
@@ -2573,7 +2573,7 @@
           <a:p>
             <a:fld id="{62237513-C7E6-4532-8199-0E9BDED529C5}" type="datetimeFigureOut">
               <a:rPr lang="en-US" smtClean="0"/>
-              <a:t>Tuesday, 26-June-2018</a:t>
+              <a:t>Wednesday, 27-June-2018</a:t>
             </a:fld>
             <a:endParaRPr lang="en-US"/>
           </a:p>
@@ -3287,15 +3287,7 @@
           <a:p>
             <a:r>
               <a:rPr lang="en-US" dirty="0" smtClean="0"/>
-              <a:t>Form </a:t>
-            </a:r>
-            <a:r>
-              <a:rPr lang="en-US" dirty="0" smtClean="0"/>
-              <a:t>design &amp; </a:t>
-            </a:r>
-            <a:r>
-              <a:rPr lang="en-US" dirty="0" smtClean="0"/>
-              <a:t>form executor.</a:t>
+              <a:t>Form design &amp; form executor.</a:t>
             </a:r>
           </a:p>
           <a:p>
@@ -3902,11 +3894,7 @@
           <a:p>
             <a:r>
               <a:rPr lang="en-US" smtClean="0"/>
-              <a:t>Form </a:t>
-            </a:r>
-            <a:r>
-              <a:rPr lang="en-US" smtClean="0"/>
-              <a:t>Design</a:t>
+              <a:t>Form Design</a:t>
             </a:r>
             <a:endParaRPr lang="en-US" dirty="0"/>
           </a:p>
@@ -4813,6 +4801,10 @@
               <a:rPr lang="en-US" dirty="0" err="1" smtClean="0"/>
               <a:t>ControlTemplate.cshtml</a:t>
             </a:r>
+            <a:r>
+              <a:rPr lang="en-US" dirty="0" smtClean="0"/>
+              <a:t>:</a:t>
+            </a:r>
             <a:endParaRPr lang="en-US" dirty="0"/>
           </a:p>
           <a:p>
@@ -4822,8 +4814,41 @@
             </a:pPr>
             <a:r>
               <a:rPr lang="en-US" dirty="0" smtClean="0"/>
-              <a:t>Wrap HTML code inside &lt;control&gt;&lt;/control&gt; tag</a:t>
-            </a:r>
+              <a:t>Specify HTML code of control and implement </a:t>
+            </a:r>
+            <a:r>
+              <a:rPr lang="en-US" dirty="0" err="1" smtClean="0"/>
+              <a:t>funtions</a:t>
+            </a:r>
+            <a:r>
+              <a:rPr lang="en-US" dirty="0" smtClean="0"/>
+              <a:t> </a:t>
+            </a:r>
+            <a:r>
+              <a:rPr lang="en-US" dirty="0" err="1" smtClean="0"/>
+              <a:t>onLoad</a:t>
+            </a:r>
+            <a:r>
+              <a:rPr lang="en-US" dirty="0" smtClean="0"/>
+              <a:t>, </a:t>
+            </a:r>
+            <a:r>
+              <a:rPr lang="en-US" dirty="0" err="1" smtClean="0"/>
+              <a:t>setValue</a:t>
+            </a:r>
+            <a:r>
+              <a:rPr lang="en-US" dirty="0" smtClean="0"/>
+              <a:t>, </a:t>
+            </a:r>
+            <a:r>
+              <a:rPr lang="en-US" dirty="0" err="1" smtClean="0"/>
+              <a:t>getValue</a:t>
+            </a:r>
+            <a:r>
+              <a:rPr lang="en-US" dirty="0" smtClean="0"/>
+              <a:t>.</a:t>
+            </a:r>
+            <a:endParaRPr lang="en-US" dirty="0" smtClean="0"/>
           </a:p>
           <a:p>
             <a:pPr marL="514350" indent="-514350">
@@ -4832,52 +4857,13 @@
             </a:pPr>
             <a:r>
               <a:rPr lang="en-US" dirty="0" smtClean="0"/>
-              <a:t>Implement 3 functions for control: </a:t>
-            </a:r>
-            <a:r>
-              <a:rPr lang="en-US" dirty="0" err="1" smtClean="0"/>
-              <a:t>onLoad</a:t>
-            </a:r>
-            <a:r>
-              <a:rPr lang="en-US" dirty="0" smtClean="0"/>
-              <a:t>, </a:t>
-            </a:r>
-            <a:r>
-              <a:rPr lang="en-US" dirty="0" err="1" smtClean="0"/>
-              <a:t>getValue</a:t>
-            </a:r>
-            <a:r>
-              <a:rPr lang="en-US" dirty="0" smtClean="0"/>
-              <a:t>, </a:t>
-            </a:r>
-            <a:r>
-              <a:rPr lang="en-US" dirty="0" err="1" smtClean="0"/>
-              <a:t>setValue</a:t>
-            </a:r>
-            <a:r>
-              <a:rPr lang="en-US" dirty="0" smtClean="0"/>
-              <a:t>.</a:t>
-            </a:r>
-          </a:p>
-          <a:p>
-            <a:pPr marL="514350" indent="-514350">
-              <a:buFont typeface="+mj-lt"/>
-              <a:buAutoNum type="arabicPeriod"/>
-            </a:pPr>
-            <a:r>
-              <a:rPr lang="en-US" dirty="0" smtClean="0"/>
-              <a:t>Declare context menu for form design.</a:t>
-            </a:r>
-          </a:p>
-          <a:p>
-            <a:pPr marL="514350" indent="-514350">
-              <a:buFont typeface="+mj-lt"/>
-              <a:buAutoNum type="arabicPeriod"/>
-            </a:pPr>
-            <a:r>
-              <a:rPr lang="en-US" dirty="0" smtClean="0"/>
-              <a:t>Declare validation (if any).</a:t>
-            </a:r>
+              <a:t>Create context menu </a:t>
+            </a:r>
+            <a:r>
+              <a:rPr lang="en-US" smtClean="0"/>
+              <a:t>for control.</a:t>
+            </a:r>
+            <a:endParaRPr lang="en-US" dirty="0" smtClean="0"/>
           </a:p>
         </p:txBody>
       </p:sp>
